--- a/CalendarioAgo25/presentaciones/11_FuncionesLambda.pptx
+++ b/CalendarioAgo25/presentaciones/11_FuncionesLambda.pptx
@@ -134,6 +134,35 @@
 </p:presentation>
 </file>
 
+<file path=ppt/changesInfos/changesInfo1.xml><?xml version="1.0" encoding="utf-8"?>
+<pc:chgInfo xmlns:a="http://schemas.openxmlformats.org/drawingml/2006/main" xmlns:r="http://schemas.openxmlformats.org/officeDocument/2006/relationships" xmlns:ac="http://schemas.microsoft.com/office/drawing/2013/main/command" xmlns:pc="http://schemas.microsoft.com/office/powerpoint/2013/main/command">
+  <pc:docChgLst>
+    <pc:chgData name="Lizethe Pérez Fuertes" userId="4ae9ef87-2a7d-42f8-8dfa-0a501a9e2ff4" providerId="ADAL" clId="{C56B9009-EB3A-4954-B31F-1F5A83417CF0}"/>
+    <pc:docChg chg="modSld">
+      <pc:chgData name="Lizethe Pérez Fuertes" userId="4ae9ef87-2a7d-42f8-8dfa-0a501a9e2ff4" providerId="ADAL" clId="{C56B9009-EB3A-4954-B31F-1F5A83417CF0}" dt="2025-08-26T22:39:11.032" v="0" actId="1076"/>
+      <pc:docMkLst>
+        <pc:docMk/>
+      </pc:docMkLst>
+      <pc:sldChg chg="modSp mod">
+        <pc:chgData name="Lizethe Pérez Fuertes" userId="4ae9ef87-2a7d-42f8-8dfa-0a501a9e2ff4" providerId="ADAL" clId="{C56B9009-EB3A-4954-B31F-1F5A83417CF0}" dt="2025-08-26T22:39:11.032" v="0" actId="1076"/>
+        <pc:sldMkLst>
+          <pc:docMk/>
+          <pc:sldMk cId="1949121924" sldId="611"/>
+        </pc:sldMkLst>
+        <pc:spChg chg="mod">
+          <ac:chgData name="Lizethe Pérez Fuertes" userId="4ae9ef87-2a7d-42f8-8dfa-0a501a9e2ff4" providerId="ADAL" clId="{C56B9009-EB3A-4954-B31F-1F5A83417CF0}" dt="2025-08-26T22:39:11.032" v="0" actId="1076"/>
+          <ac:spMkLst>
+            <pc:docMk/>
+            <pc:sldMk cId="1949121924" sldId="611"/>
+            <ac:spMk id="9" creationId="{66B9804B-D817-456E-BE4C-5F61511FF124}"/>
+          </ac:spMkLst>
+        </pc:spChg>
+      </pc:sldChg>
+    </pc:docChg>
+  </pc:docChgLst>
+</pc:chgInfo>
+</file>
+
 <file path=ppt/notesMasters/notesMaster1.xml><?xml version="1.0" encoding="utf-8"?>
 <p:notesMaster xmlns:a="http://schemas.openxmlformats.org/drawingml/2006/main" xmlns:r="http://schemas.openxmlformats.org/officeDocument/2006/relationships" xmlns:p="http://schemas.openxmlformats.org/presentationml/2006/main">
   <p:cSld>
@@ -216,7 +245,7 @@
           <a:p>
             <a:fld id="{DDE721D5-655F-45D2-B717-3C4CD78C8568}" type="datetimeFigureOut">
               <a:rPr lang="es-MX" smtClean="0"/>
-              <a:t>20/08/2024</a:t>
+              <a:t>26/08/2025</a:t>
             </a:fld>
             <a:endParaRPr lang="es-MX" dirty="0"/>
           </a:p>
@@ -375,7 +404,7 @@
           <a:p>
             <a:fld id="{6BAB4312-99A1-4CE9-ACE7-4C62E9FD90EE}" type="slidenum">
               <a:rPr lang="es-MX" smtClean="0"/>
-              <a:t>‹#›</a:t>
+              <a:t>‹Nº›</a:t>
             </a:fld>
             <a:endParaRPr lang="es-MX" dirty="0"/>
           </a:p>
@@ -1253,7 +1282,7 @@
           <a:p>
             <a:fld id="{B3F3E716-CACC-4490-AD07-F24B6A68DE47}" type="datetimeFigureOut">
               <a:rPr lang="es-MX" smtClean="0"/>
-              <a:t>20/08/2024</a:t>
+              <a:t>26/08/2025</a:t>
             </a:fld>
             <a:endParaRPr lang="es-MX" dirty="0"/>
           </a:p>
@@ -1295,7 +1324,7 @@
           <a:p>
             <a:fld id="{52A58D3C-5A37-463D-B2C9-8DF65AE0B01C}" type="slidenum">
               <a:rPr lang="es-MX" smtClean="0"/>
-              <a:t>‹#›</a:t>
+              <a:t>‹Nº›</a:t>
             </a:fld>
             <a:endParaRPr lang="es-MX" dirty="0"/>
           </a:p>
@@ -1423,7 +1452,7 @@
           <a:p>
             <a:fld id="{B3F3E716-CACC-4490-AD07-F24B6A68DE47}" type="datetimeFigureOut">
               <a:rPr lang="es-MX" smtClean="0"/>
-              <a:t>20/08/2024</a:t>
+              <a:t>26/08/2025</a:t>
             </a:fld>
             <a:endParaRPr lang="es-MX" dirty="0"/>
           </a:p>
@@ -1465,7 +1494,7 @@
           <a:p>
             <a:fld id="{52A58D3C-5A37-463D-B2C9-8DF65AE0B01C}" type="slidenum">
               <a:rPr lang="es-MX" smtClean="0"/>
-              <a:t>‹#›</a:t>
+              <a:t>‹Nº›</a:t>
             </a:fld>
             <a:endParaRPr lang="es-MX" dirty="0"/>
           </a:p>
@@ -1603,7 +1632,7 @@
           <a:p>
             <a:fld id="{B3F3E716-CACC-4490-AD07-F24B6A68DE47}" type="datetimeFigureOut">
               <a:rPr lang="es-MX" smtClean="0"/>
-              <a:t>20/08/2024</a:t>
+              <a:t>26/08/2025</a:t>
             </a:fld>
             <a:endParaRPr lang="es-MX" dirty="0"/>
           </a:p>
@@ -1645,7 +1674,7 @@
           <a:p>
             <a:fld id="{52A58D3C-5A37-463D-B2C9-8DF65AE0B01C}" type="slidenum">
               <a:rPr lang="es-MX" smtClean="0"/>
-              <a:t>‹#›</a:t>
+              <a:t>‹Nº›</a:t>
             </a:fld>
             <a:endParaRPr lang="es-MX" dirty="0"/>
           </a:p>
@@ -1756,7 +1785,7 @@
           <a:p>
             <a:fld id="{1D8BD707-D9CF-40AE-B4C6-C98DA3205C09}" type="datetimeFigureOut">
               <a:rPr lang="en-US" smtClean="0"/>
-              <a:t>8/20/2024</a:t>
+              <a:t>8/26/2025</a:t>
             </a:fld>
             <a:endParaRPr lang="en-US" dirty="0"/>
           </a:p>
@@ -1786,7 +1815,7 @@
                 <a:cs typeface="Calibri"/>
               </a:rPr>
               <a:pPr marL="25400"/>
-              <a:t>‹#›</a:t>
+              <a:t>‹Nº›</a:t>
             </a:fld>
             <a:endParaRPr lang="es-MX" dirty="0">
               <a:cs typeface="Calibri"/>
@@ -1916,7 +1945,7 @@
           <a:p>
             <a:fld id="{B3F3E716-CACC-4490-AD07-F24B6A68DE47}" type="datetimeFigureOut">
               <a:rPr lang="es-MX" smtClean="0"/>
-              <a:t>20/08/2024</a:t>
+              <a:t>26/08/2025</a:t>
             </a:fld>
             <a:endParaRPr lang="es-MX" dirty="0"/>
           </a:p>
@@ -1958,7 +1987,7 @@
           <a:p>
             <a:fld id="{52A58D3C-5A37-463D-B2C9-8DF65AE0B01C}" type="slidenum">
               <a:rPr lang="es-MX" smtClean="0"/>
-              <a:t>‹#›</a:t>
+              <a:t>‹Nº›</a:t>
             </a:fld>
             <a:endParaRPr lang="es-MX" dirty="0"/>
           </a:p>
@@ -2162,7 +2191,7 @@
           <a:p>
             <a:fld id="{B3F3E716-CACC-4490-AD07-F24B6A68DE47}" type="datetimeFigureOut">
               <a:rPr lang="es-MX" smtClean="0"/>
-              <a:t>20/08/2024</a:t>
+              <a:t>26/08/2025</a:t>
             </a:fld>
             <a:endParaRPr lang="es-MX" dirty="0"/>
           </a:p>
@@ -2204,7 +2233,7 @@
           <a:p>
             <a:fld id="{52A58D3C-5A37-463D-B2C9-8DF65AE0B01C}" type="slidenum">
               <a:rPr lang="es-MX" smtClean="0"/>
-              <a:t>‹#›</a:t>
+              <a:t>‹Nº›</a:t>
             </a:fld>
             <a:endParaRPr lang="es-MX" dirty="0"/>
           </a:p>
@@ -2450,7 +2479,7 @@
           <a:p>
             <a:fld id="{B3F3E716-CACC-4490-AD07-F24B6A68DE47}" type="datetimeFigureOut">
               <a:rPr lang="es-MX" smtClean="0"/>
-              <a:t>20/08/2024</a:t>
+              <a:t>26/08/2025</a:t>
             </a:fld>
             <a:endParaRPr lang="es-MX" dirty="0"/>
           </a:p>
@@ -2492,7 +2521,7 @@
           <a:p>
             <a:fld id="{52A58D3C-5A37-463D-B2C9-8DF65AE0B01C}" type="slidenum">
               <a:rPr lang="es-MX" smtClean="0"/>
-              <a:t>‹#›</a:t>
+              <a:t>‹Nº›</a:t>
             </a:fld>
             <a:endParaRPr lang="es-MX" dirty="0"/>
           </a:p>
@@ -2872,7 +2901,7 @@
           <a:p>
             <a:fld id="{B3F3E716-CACC-4490-AD07-F24B6A68DE47}" type="datetimeFigureOut">
               <a:rPr lang="es-MX" smtClean="0"/>
-              <a:t>20/08/2024</a:t>
+              <a:t>26/08/2025</a:t>
             </a:fld>
             <a:endParaRPr lang="es-MX" dirty="0"/>
           </a:p>
@@ -2914,7 +2943,7 @@
           <a:p>
             <a:fld id="{52A58D3C-5A37-463D-B2C9-8DF65AE0B01C}" type="slidenum">
               <a:rPr lang="es-MX" smtClean="0"/>
-              <a:t>‹#›</a:t>
+              <a:t>‹Nº›</a:t>
             </a:fld>
             <a:endParaRPr lang="es-MX" dirty="0"/>
           </a:p>
@@ -2990,7 +3019,7 @@
           <a:p>
             <a:fld id="{B3F3E716-CACC-4490-AD07-F24B6A68DE47}" type="datetimeFigureOut">
               <a:rPr lang="es-MX" smtClean="0"/>
-              <a:t>20/08/2024</a:t>
+              <a:t>26/08/2025</a:t>
             </a:fld>
             <a:endParaRPr lang="es-MX" dirty="0"/>
           </a:p>
@@ -3032,7 +3061,7 @@
           <a:p>
             <a:fld id="{52A58D3C-5A37-463D-B2C9-8DF65AE0B01C}" type="slidenum">
               <a:rPr lang="es-MX" smtClean="0"/>
-              <a:t>‹#›</a:t>
+              <a:t>‹Nº›</a:t>
             </a:fld>
             <a:endParaRPr lang="es-MX" dirty="0"/>
           </a:p>
@@ -3085,7 +3114,7 @@
           <a:p>
             <a:fld id="{B3F3E716-CACC-4490-AD07-F24B6A68DE47}" type="datetimeFigureOut">
               <a:rPr lang="es-MX" smtClean="0"/>
-              <a:t>20/08/2024</a:t>
+              <a:t>26/08/2025</a:t>
             </a:fld>
             <a:endParaRPr lang="es-MX" dirty="0"/>
           </a:p>
@@ -3127,7 +3156,7 @@
           <a:p>
             <a:fld id="{52A58D3C-5A37-463D-B2C9-8DF65AE0B01C}" type="slidenum">
               <a:rPr lang="es-MX" smtClean="0"/>
-              <a:t>‹#›</a:t>
+              <a:t>‹Nº›</a:t>
             </a:fld>
             <a:endParaRPr lang="es-MX" dirty="0"/>
           </a:p>
@@ -3362,7 +3391,7 @@
           <a:p>
             <a:fld id="{B3F3E716-CACC-4490-AD07-F24B6A68DE47}" type="datetimeFigureOut">
               <a:rPr lang="es-MX" smtClean="0"/>
-              <a:t>20/08/2024</a:t>
+              <a:t>26/08/2025</a:t>
             </a:fld>
             <a:endParaRPr lang="es-MX" dirty="0"/>
           </a:p>
@@ -3404,7 +3433,7 @@
           <a:p>
             <a:fld id="{52A58D3C-5A37-463D-B2C9-8DF65AE0B01C}" type="slidenum">
               <a:rPr lang="es-MX" smtClean="0"/>
-              <a:t>‹#›</a:t>
+              <a:t>‹Nº›</a:t>
             </a:fld>
             <a:endParaRPr lang="es-MX" dirty="0"/>
           </a:p>
@@ -3615,7 +3644,7 @@
           <a:p>
             <a:fld id="{B3F3E716-CACC-4490-AD07-F24B6A68DE47}" type="datetimeFigureOut">
               <a:rPr lang="es-MX" smtClean="0"/>
-              <a:t>20/08/2024</a:t>
+              <a:t>26/08/2025</a:t>
             </a:fld>
             <a:endParaRPr lang="es-MX" dirty="0"/>
           </a:p>
@@ -3657,7 +3686,7 @@
           <a:p>
             <a:fld id="{52A58D3C-5A37-463D-B2C9-8DF65AE0B01C}" type="slidenum">
               <a:rPr lang="es-MX" smtClean="0"/>
-              <a:t>‹#›</a:t>
+              <a:t>‹Nº›</a:t>
             </a:fld>
             <a:endParaRPr lang="es-MX" dirty="0"/>
           </a:p>
@@ -3828,7 +3857,7 @@
           <a:p>
             <a:fld id="{B3F3E716-CACC-4490-AD07-F24B6A68DE47}" type="datetimeFigureOut">
               <a:rPr lang="es-MX" smtClean="0"/>
-              <a:t>20/08/2024</a:t>
+              <a:t>26/08/2025</a:t>
             </a:fld>
             <a:endParaRPr lang="es-MX" dirty="0"/>
           </a:p>
@@ -3906,7 +3935,7 @@
           <a:p>
             <a:fld id="{52A58D3C-5A37-463D-B2C9-8DF65AE0B01C}" type="slidenum">
               <a:rPr lang="es-MX" smtClean="0"/>
-              <a:t>‹#›</a:t>
+              <a:t>‹Nº›</a:t>
             </a:fld>
             <a:endParaRPr lang="es-MX" dirty="0"/>
           </a:p>
@@ -4578,7 +4607,7 @@
         </p:nvSpPr>
         <p:spPr>
           <a:xfrm>
-            <a:off x="843068" y="3086826"/>
+            <a:off x="822367" y="3138838"/>
             <a:ext cx="6480720" cy="400110"/>
           </a:xfrm>
           <a:prstGeom prst="rect">
